--- a/Hooks.pptx
+++ b/Hooks.pptx
@@ -11,7 +11,6 @@
     <p:sldId id="259" r:id="rId5"/>
     <p:sldId id="260" r:id="rId6"/>
     <p:sldId id="261" r:id="rId7"/>
-    <p:sldId id="262" r:id="rId8"/>
   </p:sldIdLst>
   <p:sldSz cx="12192000" cy="6858000"/>
   <p:notesSz cx="6858000" cy="9144000"/>
@@ -110,6 +109,11 @@
       </a:defRPr>
     </a:lvl9pPr>
   </p:defaultTextStyle>
+  <p:extLst>
+    <p:ext uri="{EFAFB233-063F-42B5-8137-9DF3F51BA10A}">
+      <p15:sldGuideLst xmlns:p15="http://schemas.microsoft.com/office/powerpoint/2012/main"/>
+    </p:ext>
+  </p:extLst>
 </p:presentation>
 </file>
 
@@ -262,7 +266,7 @@
           <a:p>
             <a:fld id="{69DB53D7-922E-4FD7-AA98-79F1C0DD1C20}" type="datetimeFigureOut">
               <a:rPr lang="en-IN" smtClean="0"/>
-              <a:t>17-06-2024</a:t>
+              <a:t>20-06-2024</a:t>
             </a:fld>
             <a:endParaRPr lang="en-IN"/>
           </a:p>
@@ -462,7 +466,7 @@
           <a:p>
             <a:fld id="{69DB53D7-922E-4FD7-AA98-79F1C0DD1C20}" type="datetimeFigureOut">
               <a:rPr lang="en-IN" smtClean="0"/>
-              <a:t>17-06-2024</a:t>
+              <a:t>20-06-2024</a:t>
             </a:fld>
             <a:endParaRPr lang="en-IN"/>
           </a:p>
@@ -672,7 +676,7 @@
           <a:p>
             <a:fld id="{69DB53D7-922E-4FD7-AA98-79F1C0DD1C20}" type="datetimeFigureOut">
               <a:rPr lang="en-IN" smtClean="0"/>
-              <a:t>17-06-2024</a:t>
+              <a:t>20-06-2024</a:t>
             </a:fld>
             <a:endParaRPr lang="en-IN"/>
           </a:p>
@@ -872,7 +876,7 @@
           <a:p>
             <a:fld id="{69DB53D7-922E-4FD7-AA98-79F1C0DD1C20}" type="datetimeFigureOut">
               <a:rPr lang="en-IN" smtClean="0"/>
-              <a:t>17-06-2024</a:t>
+              <a:t>20-06-2024</a:t>
             </a:fld>
             <a:endParaRPr lang="en-IN"/>
           </a:p>
@@ -1148,7 +1152,7 @@
           <a:p>
             <a:fld id="{69DB53D7-922E-4FD7-AA98-79F1C0DD1C20}" type="datetimeFigureOut">
               <a:rPr lang="en-IN" smtClean="0"/>
-              <a:t>17-06-2024</a:t>
+              <a:t>20-06-2024</a:t>
             </a:fld>
             <a:endParaRPr lang="en-IN"/>
           </a:p>
@@ -1416,7 +1420,7 @@
           <a:p>
             <a:fld id="{69DB53D7-922E-4FD7-AA98-79F1C0DD1C20}" type="datetimeFigureOut">
               <a:rPr lang="en-IN" smtClean="0"/>
-              <a:t>17-06-2024</a:t>
+              <a:t>20-06-2024</a:t>
             </a:fld>
             <a:endParaRPr lang="en-IN"/>
           </a:p>
@@ -1831,7 +1835,7 @@
           <a:p>
             <a:fld id="{69DB53D7-922E-4FD7-AA98-79F1C0DD1C20}" type="datetimeFigureOut">
               <a:rPr lang="en-IN" smtClean="0"/>
-              <a:t>17-06-2024</a:t>
+              <a:t>20-06-2024</a:t>
             </a:fld>
             <a:endParaRPr lang="en-IN"/>
           </a:p>
@@ -1973,7 +1977,7 @@
           <a:p>
             <a:fld id="{69DB53D7-922E-4FD7-AA98-79F1C0DD1C20}" type="datetimeFigureOut">
               <a:rPr lang="en-IN" smtClean="0"/>
-              <a:t>17-06-2024</a:t>
+              <a:t>20-06-2024</a:t>
             </a:fld>
             <a:endParaRPr lang="en-IN"/>
           </a:p>
@@ -2086,7 +2090,7 @@
           <a:p>
             <a:fld id="{69DB53D7-922E-4FD7-AA98-79F1C0DD1C20}" type="datetimeFigureOut">
               <a:rPr lang="en-IN" smtClean="0"/>
-              <a:t>17-06-2024</a:t>
+              <a:t>20-06-2024</a:t>
             </a:fld>
             <a:endParaRPr lang="en-IN"/>
           </a:p>
@@ -2399,7 +2403,7 @@
           <a:p>
             <a:fld id="{69DB53D7-922E-4FD7-AA98-79F1C0DD1C20}" type="datetimeFigureOut">
               <a:rPr lang="en-IN" smtClean="0"/>
-              <a:t>17-06-2024</a:t>
+              <a:t>20-06-2024</a:t>
             </a:fld>
             <a:endParaRPr lang="en-IN"/>
           </a:p>
@@ -2688,7 +2692,7 @@
           <a:p>
             <a:fld id="{69DB53D7-922E-4FD7-AA98-79F1C0DD1C20}" type="datetimeFigureOut">
               <a:rPr lang="en-IN" smtClean="0"/>
-              <a:t>17-06-2024</a:t>
+              <a:t>20-06-2024</a:t>
             </a:fld>
             <a:endParaRPr lang="en-IN"/>
           </a:p>
@@ -2931,7 +2935,7 @@
           <a:p>
             <a:fld id="{69DB53D7-922E-4FD7-AA98-79F1C0DD1C20}" type="datetimeFigureOut">
               <a:rPr lang="en-IN" smtClean="0"/>
-              <a:t>17-06-2024</a:t>
+              <a:t>20-06-2024</a:t>
             </a:fld>
             <a:endParaRPr lang="en-IN"/>
           </a:p>
@@ -3866,74 +3870,60 @@
           <a:lstStyle/>
           <a:p>
             <a:r>
-              <a:rPr lang="en-US" dirty="0" err="1">
+              <a:rPr lang="en-US" sz="3200" dirty="0" err="1">
                 <a:latin typeface="+mj-lt"/>
               </a:rPr>
               <a:t>PreSync</a:t>
             </a:r>
             <a:r>
+              <a:rPr lang="en-US" sz="3200" dirty="0">
+                <a:latin typeface="+mj-lt"/>
+              </a:rPr>
+              <a:t> Hook: Executed before synchronization (deployment) of resources to the Kubernetes </a:t>
+            </a:r>
+            <a:r>
+              <a:rPr lang="en-US" sz="3200" dirty="0" err="1">
+                <a:latin typeface="+mj-lt"/>
+              </a:rPr>
+              <a:t>cluster.Useful</a:t>
+            </a:r>
+            <a:r>
+              <a:rPr lang="en-US" sz="3200" dirty="0">
+                <a:latin typeface="+mj-lt"/>
+              </a:rPr>
+              <a:t> for tasks like environment-specific configuration adjustments or validation checks.</a:t>
+            </a:r>
+          </a:p>
+          <a:p>
+            <a:r>
+              <a:rPr lang="en-US" sz="3200" dirty="0" err="1">
+                <a:latin typeface="+mj-lt"/>
+              </a:rPr>
+              <a:t>PostSync</a:t>
+            </a:r>
+            <a:r>
+              <a:rPr lang="en-US" sz="3200" dirty="0">
+                <a:latin typeface="+mj-lt"/>
+              </a:rPr>
+              <a:t> Hook: Executed after synchronization is </a:t>
+            </a:r>
+            <a:r>
+              <a:rPr lang="en-US" sz="3200" dirty="0" err="1">
+                <a:latin typeface="+mj-lt"/>
+              </a:rPr>
+              <a:t>complete.Useful</a:t>
+            </a:r>
+            <a:r>
+              <a:rPr lang="en-US" sz="3200" dirty="0">
+                <a:latin typeface="+mj-lt"/>
+              </a:rPr>
+              <a:t> for tasks like notifications, logging, or triggering downstream processes</a:t>
+            </a:r>
+            <a:r>
               <a:rPr lang="en-US" dirty="0">
                 <a:latin typeface="+mj-lt"/>
               </a:rPr>
-              <a:t> Hook: Executed before synchronization (deployment) of resources to the Kubernetes </a:t>
-            </a:r>
-            <a:r>
-              <a:rPr lang="en-US" dirty="0" err="1">
-                <a:latin typeface="+mj-lt"/>
-              </a:rPr>
-              <a:t>cluster.Useful</a:t>
-            </a:r>
-            <a:r>
-              <a:rPr lang="en-US" dirty="0">
-                <a:latin typeface="+mj-lt"/>
-              </a:rPr>
-              <a:t> for tasks like environment-specific configuration adjustments or validation checks.</a:t>
-            </a:r>
-          </a:p>
-          <a:p>
-            <a:r>
-              <a:rPr lang="en-US" dirty="0">
-                <a:latin typeface="+mj-lt"/>
-              </a:rPr>
-              <a:t>Sync Hook: Executed during synchronization, after resources are applied but before status is reported back to </a:t>
-            </a:r>
-            <a:r>
-              <a:rPr lang="en-US" dirty="0" err="1">
-                <a:latin typeface="+mj-lt"/>
-              </a:rPr>
-              <a:t>ArgoCD.Useful</a:t>
-            </a:r>
-            <a:r>
-              <a:rPr lang="en-US" dirty="0">
-                <a:latin typeface="+mj-lt"/>
-              </a:rPr>
-              <a:t> for tasks that need to be performed immediately after applying resources.</a:t>
-            </a:r>
-          </a:p>
-          <a:p>
-            <a:r>
-              <a:rPr lang="en-US" dirty="0" err="1">
-                <a:latin typeface="+mj-lt"/>
-              </a:rPr>
-              <a:t>PostSync</a:t>
-            </a:r>
-            <a:r>
-              <a:rPr lang="en-US" dirty="0">
-                <a:latin typeface="+mj-lt"/>
-              </a:rPr>
-              <a:t> Hook: Executed after synchronization is </a:t>
-            </a:r>
-            <a:r>
-              <a:rPr lang="en-US" dirty="0" err="1">
-                <a:latin typeface="+mj-lt"/>
-              </a:rPr>
-              <a:t>complete.Useful</a:t>
-            </a:r>
-            <a:r>
-              <a:rPr lang="en-US" dirty="0">
-                <a:latin typeface="+mj-lt"/>
-              </a:rPr>
-              <a:t> for tasks like notifications, logging, or triggering downstream processes.</a:t>
+              <a:t>.</a:t>
             </a:r>
             <a:endParaRPr lang="en-IN" dirty="0">
               <a:latin typeface="+mj-lt"/>
@@ -4033,235 +4023,6 @@
     <p:extLst>
       <p:ext uri="{BB962C8B-B14F-4D97-AF65-F5344CB8AC3E}">
         <p14:creationId xmlns:p14="http://schemas.microsoft.com/office/powerpoint/2010/main" val="4282339436"/>
-      </p:ext>
-    </p:extLst>
-  </p:cSld>
-  <p:clrMapOvr>
-    <a:masterClrMapping/>
-  </p:clrMapOvr>
-</p:sld>
-</file>
-
-<file path=ppt/slides/slide7.xml><?xml version="1.0" encoding="utf-8"?>
-<p:sld xmlns:a="http://schemas.openxmlformats.org/drawingml/2006/main" xmlns:r="http://schemas.openxmlformats.org/officeDocument/2006/relationships" xmlns:p="http://schemas.openxmlformats.org/presentationml/2006/main">
-  <p:cSld>
-    <p:spTree>
-      <p:nvGrpSpPr>
-        <p:cNvPr id="1" name=""/>
-        <p:cNvGrpSpPr/>
-        <p:nvPr/>
-      </p:nvGrpSpPr>
-      <p:grpSpPr>
-        <a:xfrm>
-          <a:off x="0" y="0"/>
-          <a:ext cx="0" cy="0"/>
-          <a:chOff x="0" y="0"/>
-          <a:chExt cx="0" cy="0"/>
-        </a:xfrm>
-      </p:grpSpPr>
-      <p:sp>
-        <p:nvSpPr>
-          <p:cNvPr id="2" name="Title 1">
-            <a:extLst>
-              <a:ext uri="{FF2B5EF4-FFF2-40B4-BE49-F238E27FC236}">
-                <a16:creationId xmlns:a16="http://schemas.microsoft.com/office/drawing/2014/main" id="{C83851F1-C1F2-8335-DD3A-DAD9319BA8CB}"/>
-              </a:ext>
-            </a:extLst>
-          </p:cNvPr>
-          <p:cNvSpPr>
-            <a:spLocks noGrp="1"/>
-          </p:cNvSpPr>
-          <p:nvPr>
-            <p:ph type="title"/>
-          </p:nvPr>
-        </p:nvSpPr>
-        <p:spPr/>
-        <p:txBody>
-          <a:bodyPr/>
-          <a:lstStyle/>
-          <a:p>
-            <a:r>
-              <a:rPr lang="en-IN" dirty="0"/>
-              <a:t>..</a:t>
-            </a:r>
-          </a:p>
-        </p:txBody>
-      </p:sp>
-      <p:sp>
-        <p:nvSpPr>
-          <p:cNvPr id="3" name="Content Placeholder 2">
-            <a:extLst>
-              <a:ext uri="{FF2B5EF4-FFF2-40B4-BE49-F238E27FC236}">
-                <a16:creationId xmlns:a16="http://schemas.microsoft.com/office/drawing/2014/main" id="{1D6F20AB-3C70-1DCD-F486-982140E3CF29}"/>
-              </a:ext>
-            </a:extLst>
-          </p:cNvPr>
-          <p:cNvSpPr>
-            <a:spLocks noGrp="1"/>
-          </p:cNvSpPr>
-          <p:nvPr>
-            <p:ph idx="1"/>
-          </p:nvPr>
-        </p:nvSpPr>
-        <p:spPr/>
-        <p:txBody>
-          <a:bodyPr>
-            <a:normAutofit fontScale="92500"/>
-          </a:bodyPr>
-          <a:lstStyle/>
-          <a:p>
-            <a:r>
-              <a:rPr lang="en-US" dirty="0">
-                <a:latin typeface="+mj-lt"/>
-              </a:rPr>
-              <a:t>Integration: Helm hooks are integrated within Helm charts and managed by the Helm client during installation, upgrade, and deletion operations. </a:t>
-            </a:r>
-            <a:r>
-              <a:rPr lang="en-US" dirty="0" err="1">
-                <a:latin typeface="+mj-lt"/>
-              </a:rPr>
-              <a:t>ArgoCD</a:t>
-            </a:r>
-            <a:r>
-              <a:rPr lang="en-US" dirty="0">
-                <a:latin typeface="+mj-lt"/>
-              </a:rPr>
-              <a:t> hooks, on the other hand, are defined and managed within the </a:t>
-            </a:r>
-            <a:r>
-              <a:rPr lang="en-US" dirty="0" err="1">
-                <a:latin typeface="+mj-lt"/>
-              </a:rPr>
-              <a:t>ArgoCD</a:t>
-            </a:r>
-            <a:r>
-              <a:rPr lang="en-US" dirty="0">
-                <a:latin typeface="+mj-lt"/>
-              </a:rPr>
-              <a:t> Application manifest and executed by the </a:t>
-            </a:r>
-            <a:r>
-              <a:rPr lang="en-US" dirty="0" err="1">
-                <a:latin typeface="+mj-lt"/>
-              </a:rPr>
-              <a:t>ArgoCD</a:t>
-            </a:r>
-            <a:r>
-              <a:rPr lang="en-US" dirty="0">
-                <a:latin typeface="+mj-lt"/>
-              </a:rPr>
-              <a:t> controller during synchronization operations.</a:t>
-            </a:r>
-          </a:p>
-          <a:p>
-            <a:r>
-              <a:rPr lang="en-US" dirty="0">
-                <a:latin typeface="+mj-lt"/>
-              </a:rPr>
-              <a:t>Lifecycle Stage: Helm hooks are primarily tied to Helm's lifecycle events (install, upgrade, delete), whereas </a:t>
-            </a:r>
-            <a:r>
-              <a:rPr lang="en-US" dirty="0" err="1">
-                <a:latin typeface="+mj-lt"/>
-              </a:rPr>
-              <a:t>ArgoCD</a:t>
-            </a:r>
-            <a:r>
-              <a:rPr lang="en-US" dirty="0">
-                <a:latin typeface="+mj-lt"/>
-              </a:rPr>
-              <a:t> hooks are specifically tied to </a:t>
-            </a:r>
-            <a:r>
-              <a:rPr lang="en-US" dirty="0" err="1">
-                <a:latin typeface="+mj-lt"/>
-              </a:rPr>
-              <a:t>ArgoCD's</a:t>
-            </a:r>
-            <a:r>
-              <a:rPr lang="en-US" dirty="0">
-                <a:latin typeface="+mj-lt"/>
-              </a:rPr>
-              <a:t> synchronization lifecycle (</a:t>
-            </a:r>
-            <a:r>
-              <a:rPr lang="en-US" dirty="0" err="1">
-                <a:latin typeface="+mj-lt"/>
-              </a:rPr>
-              <a:t>PreSync</a:t>
-            </a:r>
-            <a:r>
-              <a:rPr lang="en-US" dirty="0">
-                <a:latin typeface="+mj-lt"/>
-              </a:rPr>
-              <a:t>, Sync, </a:t>
-            </a:r>
-            <a:r>
-              <a:rPr lang="en-US" dirty="0" err="1">
-                <a:latin typeface="+mj-lt"/>
-              </a:rPr>
-              <a:t>PostSync</a:t>
-            </a:r>
-            <a:r>
-              <a:rPr lang="en-US" dirty="0">
-                <a:latin typeface="+mj-lt"/>
-              </a:rPr>
-              <a:t>).</a:t>
-            </a:r>
-          </a:p>
-          <a:p>
-            <a:r>
-              <a:rPr lang="en-US" dirty="0">
-                <a:latin typeface="+mj-lt"/>
-              </a:rPr>
-              <a:t>Customization: Both Helm hooks and </a:t>
-            </a:r>
-            <a:r>
-              <a:rPr lang="en-US" dirty="0" err="1">
-                <a:latin typeface="+mj-lt"/>
-              </a:rPr>
-              <a:t>ArgoCD</a:t>
-            </a:r>
-            <a:r>
-              <a:rPr lang="en-US" dirty="0">
-                <a:latin typeface="+mj-lt"/>
-              </a:rPr>
-              <a:t> hooks allow customization through YAML definitions, but </a:t>
-            </a:r>
-            <a:r>
-              <a:rPr lang="en-US" dirty="0" err="1">
-                <a:latin typeface="+mj-lt"/>
-              </a:rPr>
-              <a:t>ArgoCD</a:t>
-            </a:r>
-            <a:r>
-              <a:rPr lang="en-US" dirty="0">
-                <a:latin typeface="+mj-lt"/>
-              </a:rPr>
-              <a:t> hooks offer a more integrated approach for Kubernetes-native deployments managed by </a:t>
-            </a:r>
-            <a:r>
-              <a:rPr lang="en-US" dirty="0" err="1">
-                <a:latin typeface="+mj-lt"/>
-              </a:rPr>
-              <a:t>ArgoCD</a:t>
-            </a:r>
-            <a:r>
-              <a:rPr lang="en-US" dirty="0">
-                <a:latin typeface="+mj-lt"/>
-              </a:rPr>
-              <a:t>.</a:t>
-            </a:r>
-            <a:endParaRPr lang="en-IN" dirty="0">
-              <a:latin typeface="+mj-lt"/>
-            </a:endParaRPr>
-          </a:p>
-        </p:txBody>
-      </p:sp>
-    </p:spTree>
-    <p:extLst>
-      <p:ext uri="{BB962C8B-B14F-4D97-AF65-F5344CB8AC3E}">
-        <p14:creationId xmlns:p14="http://schemas.microsoft.com/office/powerpoint/2010/main" val="2622830615"/>
       </p:ext>
     </p:extLst>
   </p:cSld>
